--- a/8bit_design/InstructionSet.pptx
+++ b/8bit_design/InstructionSet.pptx
@@ -260,7 +260,7 @@
           <a:p>
             <a:fld id="{EB96173F-77D8-3A4A-B83C-B33723880ECE}" type="datetimeFigureOut">
               <a:rPr kumimoji="1" lang="zh-CN" altLang="en-US" smtClean="0"/>
-              <a:t>2024/2/15</a:t>
+              <a:t>2024/2/28</a:t>
             </a:fld>
             <a:endParaRPr kumimoji="1" lang="zh-CN" altLang="en-US"/>
           </a:p>
@@ -458,7 +458,7 @@
           <a:p>
             <a:fld id="{EB96173F-77D8-3A4A-B83C-B33723880ECE}" type="datetimeFigureOut">
               <a:rPr kumimoji="1" lang="zh-CN" altLang="en-US" smtClean="0"/>
-              <a:t>2024/2/15</a:t>
+              <a:t>2024/2/28</a:t>
             </a:fld>
             <a:endParaRPr kumimoji="1" lang="zh-CN" altLang="en-US"/>
           </a:p>
@@ -666,7 +666,7 @@
           <a:p>
             <a:fld id="{EB96173F-77D8-3A4A-B83C-B33723880ECE}" type="datetimeFigureOut">
               <a:rPr kumimoji="1" lang="zh-CN" altLang="en-US" smtClean="0"/>
-              <a:t>2024/2/15</a:t>
+              <a:t>2024/2/28</a:t>
             </a:fld>
             <a:endParaRPr kumimoji="1" lang="zh-CN" altLang="en-US"/>
           </a:p>
@@ -864,7 +864,7 @@
           <a:p>
             <a:fld id="{EB96173F-77D8-3A4A-B83C-B33723880ECE}" type="datetimeFigureOut">
               <a:rPr kumimoji="1" lang="zh-CN" altLang="en-US" smtClean="0"/>
-              <a:t>2024/2/15</a:t>
+              <a:t>2024/2/28</a:t>
             </a:fld>
             <a:endParaRPr kumimoji="1" lang="zh-CN" altLang="en-US"/>
           </a:p>
@@ -1139,7 +1139,7 @@
           <a:p>
             <a:fld id="{EB96173F-77D8-3A4A-B83C-B33723880ECE}" type="datetimeFigureOut">
               <a:rPr kumimoji="1" lang="zh-CN" altLang="en-US" smtClean="0"/>
-              <a:t>2024/2/15</a:t>
+              <a:t>2024/2/28</a:t>
             </a:fld>
             <a:endParaRPr kumimoji="1" lang="zh-CN" altLang="en-US"/>
           </a:p>
@@ -1404,7 +1404,7 @@
           <a:p>
             <a:fld id="{EB96173F-77D8-3A4A-B83C-B33723880ECE}" type="datetimeFigureOut">
               <a:rPr kumimoji="1" lang="zh-CN" altLang="en-US" smtClean="0"/>
-              <a:t>2024/2/15</a:t>
+              <a:t>2024/2/28</a:t>
             </a:fld>
             <a:endParaRPr kumimoji="1" lang="zh-CN" altLang="en-US"/>
           </a:p>
@@ -1816,7 +1816,7 @@
           <a:p>
             <a:fld id="{EB96173F-77D8-3A4A-B83C-B33723880ECE}" type="datetimeFigureOut">
               <a:rPr kumimoji="1" lang="zh-CN" altLang="en-US" smtClean="0"/>
-              <a:t>2024/2/15</a:t>
+              <a:t>2024/2/28</a:t>
             </a:fld>
             <a:endParaRPr kumimoji="1" lang="zh-CN" altLang="en-US"/>
           </a:p>
@@ -1957,7 +1957,7 @@
           <a:p>
             <a:fld id="{EB96173F-77D8-3A4A-B83C-B33723880ECE}" type="datetimeFigureOut">
               <a:rPr kumimoji="1" lang="zh-CN" altLang="en-US" smtClean="0"/>
-              <a:t>2024/2/15</a:t>
+              <a:t>2024/2/28</a:t>
             </a:fld>
             <a:endParaRPr kumimoji="1" lang="zh-CN" altLang="en-US"/>
           </a:p>
@@ -2070,7 +2070,7 @@
           <a:p>
             <a:fld id="{EB96173F-77D8-3A4A-B83C-B33723880ECE}" type="datetimeFigureOut">
               <a:rPr kumimoji="1" lang="zh-CN" altLang="en-US" smtClean="0"/>
-              <a:t>2024/2/15</a:t>
+              <a:t>2024/2/28</a:t>
             </a:fld>
             <a:endParaRPr kumimoji="1" lang="zh-CN" altLang="en-US"/>
           </a:p>
@@ -2381,7 +2381,7 @@
           <a:p>
             <a:fld id="{EB96173F-77D8-3A4A-B83C-B33723880ECE}" type="datetimeFigureOut">
               <a:rPr kumimoji="1" lang="zh-CN" altLang="en-US" smtClean="0"/>
-              <a:t>2024/2/15</a:t>
+              <a:t>2024/2/28</a:t>
             </a:fld>
             <a:endParaRPr kumimoji="1" lang="zh-CN" altLang="en-US"/>
           </a:p>
@@ -2669,7 +2669,7 @@
           <a:p>
             <a:fld id="{EB96173F-77D8-3A4A-B83C-B33723880ECE}" type="datetimeFigureOut">
               <a:rPr kumimoji="1" lang="zh-CN" altLang="en-US" smtClean="0"/>
-              <a:t>2024/2/15</a:t>
+              <a:t>2024/2/28</a:t>
             </a:fld>
             <a:endParaRPr kumimoji="1" lang="zh-CN" altLang="en-US"/>
           </a:p>
@@ -2910,7 +2910,7 @@
           <a:p>
             <a:fld id="{EB96173F-77D8-3A4A-B83C-B33723880ECE}" type="datetimeFigureOut">
               <a:rPr kumimoji="1" lang="zh-CN" altLang="en-US" smtClean="0"/>
-              <a:t>2024/2/15</a:t>
+              <a:t>2024/2/28</a:t>
             </a:fld>
             <a:endParaRPr kumimoji="1" lang="zh-CN" altLang="en-US"/>
           </a:p>
@@ -5820,7 +5820,7 @@
           <a:p>
             <a:r>
               <a:rPr kumimoji="1" lang="en-US" altLang="zh-CN" dirty="0"/>
-              <a:t>010:Rd=R0+R1+Carry</a:t>
+              <a:t>010:Rd=R0+R1</a:t>
             </a:r>
           </a:p>
           <a:p>
@@ -5856,8 +5856,13 @@
           <a:p>
             <a:r>
               <a:rPr kumimoji="1" lang="en-US" altLang="zh-CN" dirty="0"/>
-              <a:t>110:Rd=R0+R1</a:t>
-            </a:r>
+              <a:t>110:Rd=R0</a:t>
+            </a:r>
+            <a:r>
+              <a:rPr kumimoji="1" lang="en-US" altLang="zh-CN"/>
+              <a:t>+R1+Carry</a:t>
+            </a:r>
+            <a:endParaRPr kumimoji="1" lang="en-US" altLang="zh-CN" dirty="0"/>
           </a:p>
           <a:p>
             <a:r>

--- a/8bit_design/InstructionSet.pptx
+++ b/8bit_design/InstructionSet.pptx
@@ -7,6 +7,7 @@
   <p:sldIdLst>
     <p:sldId id="256" r:id="rId2"/>
     <p:sldId id="257" r:id="rId3"/>
+    <p:sldId id="258" r:id="rId4"/>
   </p:sldIdLst>
   <p:sldSz cx="12192000" cy="6858000"/>
   <p:notesSz cx="6858000" cy="9144000"/>
@@ -113,6 +114,171 @@
 </p:presentation>
 </file>
 
+<file path=ppt/changesInfos/changesInfo1.xml><?xml version="1.0" encoding="utf-8"?>
+<pc:chgInfo xmlns:a="http://schemas.openxmlformats.org/drawingml/2006/main" xmlns:r="http://schemas.openxmlformats.org/officeDocument/2006/relationships" xmlns:ac="http://schemas.microsoft.com/office/drawing/2013/main/command" xmlns:pc="http://schemas.microsoft.com/office/powerpoint/2013/main/command">
+  <pc:docChgLst>
+    <pc:chgData name="Laboratories Aperture Science" userId="4ef7ff3058e5cb20" providerId="LiveId" clId="{99265D2E-1342-C845-894B-EFD3AF68D807}"/>
+    <pc:docChg chg="custSel addSld modSld">
+      <pc:chgData name="Laboratories Aperture Science" userId="4ef7ff3058e5cb20" providerId="LiveId" clId="{99265D2E-1342-C845-894B-EFD3AF68D807}" dt="2024-04-23T14:45:23.415" v="932" actId="20577"/>
+      <pc:docMkLst>
+        <pc:docMk/>
+      </pc:docMkLst>
+      <pc:sldChg chg="addSp delSp modSp new mod">
+        <pc:chgData name="Laboratories Aperture Science" userId="4ef7ff3058e5cb20" providerId="LiveId" clId="{99265D2E-1342-C845-894B-EFD3AF68D807}" dt="2024-04-23T14:45:23.415" v="932" actId="20577"/>
+        <pc:sldMkLst>
+          <pc:docMk/>
+          <pc:sldMk cId="1994755014" sldId="258"/>
+        </pc:sldMkLst>
+        <pc:spChg chg="add mod">
+          <ac:chgData name="Laboratories Aperture Science" userId="4ef7ff3058e5cb20" providerId="LiveId" clId="{99265D2E-1342-C845-894B-EFD3AF68D807}" dt="2024-04-20T04:11:55.112" v="605" actId="1038"/>
+          <ac:spMkLst>
+            <pc:docMk/>
+            <pc:sldMk cId="1994755014" sldId="258"/>
+            <ac:spMk id="3" creationId="{3A349FE2-336F-A043-8C9F-1B8769C6B40F}"/>
+          </ac:spMkLst>
+        </pc:spChg>
+        <pc:spChg chg="add mod">
+          <ac:chgData name="Laboratories Aperture Science" userId="4ef7ff3058e5cb20" providerId="LiveId" clId="{99265D2E-1342-C845-894B-EFD3AF68D807}" dt="2024-04-20T04:12:00.956" v="623" actId="1038"/>
+          <ac:spMkLst>
+            <pc:docMk/>
+            <pc:sldMk cId="1994755014" sldId="258"/>
+            <ac:spMk id="4" creationId="{411DAA6B-269A-CF1B-4BB0-E1EFFC58800A}"/>
+          </ac:spMkLst>
+        </pc:spChg>
+        <pc:spChg chg="add mod">
+          <ac:chgData name="Laboratories Aperture Science" userId="4ef7ff3058e5cb20" providerId="LiveId" clId="{99265D2E-1342-C845-894B-EFD3AF68D807}" dt="2024-04-19T14:12:37.527" v="35" actId="1038"/>
+          <ac:spMkLst>
+            <pc:docMk/>
+            <pc:sldMk cId="1994755014" sldId="258"/>
+            <ac:spMk id="5" creationId="{F16BED59-F1B3-72A4-EB94-AB29CEDB5CB3}"/>
+          </ac:spMkLst>
+        </pc:spChg>
+        <pc:spChg chg="add mod">
+          <ac:chgData name="Laboratories Aperture Science" userId="4ef7ff3058e5cb20" providerId="LiveId" clId="{99265D2E-1342-C845-894B-EFD3AF68D807}" dt="2024-04-20T04:12:22.779" v="630" actId="1076"/>
+          <ac:spMkLst>
+            <pc:docMk/>
+            <pc:sldMk cId="1994755014" sldId="258"/>
+            <ac:spMk id="7" creationId="{EEFC9FDA-A96E-3415-619D-73DDEE08EEA4}"/>
+          </ac:spMkLst>
+        </pc:spChg>
+        <pc:spChg chg="add mod">
+          <ac:chgData name="Laboratories Aperture Science" userId="4ef7ff3058e5cb20" providerId="LiveId" clId="{99265D2E-1342-C845-894B-EFD3AF68D807}" dt="2024-04-20T04:12:45.980" v="642" actId="1037"/>
+          <ac:spMkLst>
+            <pc:docMk/>
+            <pc:sldMk cId="1994755014" sldId="258"/>
+            <ac:spMk id="8" creationId="{1BD3B6F7-3471-39E9-3AA8-F22FCF70725D}"/>
+          </ac:spMkLst>
+        </pc:spChg>
+        <pc:spChg chg="add mod">
+          <ac:chgData name="Laboratories Aperture Science" userId="4ef7ff3058e5cb20" providerId="LiveId" clId="{99265D2E-1342-C845-894B-EFD3AF68D807}" dt="2024-04-20T04:15:18.187" v="678" actId="1038"/>
+          <ac:spMkLst>
+            <pc:docMk/>
+            <pc:sldMk cId="1994755014" sldId="258"/>
+            <ac:spMk id="9" creationId="{7C96801A-3CCA-69B6-D58D-537F1E5379D4}"/>
+          </ac:spMkLst>
+        </pc:spChg>
+        <pc:spChg chg="add mod">
+          <ac:chgData name="Laboratories Aperture Science" userId="4ef7ff3058e5cb20" providerId="LiveId" clId="{99265D2E-1342-C845-894B-EFD3AF68D807}" dt="2024-04-19T14:33:23.866" v="118" actId="20577"/>
+          <ac:spMkLst>
+            <pc:docMk/>
+            <pc:sldMk cId="1994755014" sldId="258"/>
+            <ac:spMk id="10" creationId="{09AACC3C-0EC3-819D-6BFC-BA0133CCBFFD}"/>
+          </ac:spMkLst>
+        </pc:spChg>
+        <pc:spChg chg="add mod">
+          <ac:chgData name="Laboratories Aperture Science" userId="4ef7ff3058e5cb20" providerId="LiveId" clId="{99265D2E-1342-C845-894B-EFD3AF68D807}" dt="2024-04-19T14:12:37.527" v="35" actId="1038"/>
+          <ac:spMkLst>
+            <pc:docMk/>
+            <pc:sldMk cId="1994755014" sldId="258"/>
+            <ac:spMk id="11" creationId="{0993CB3B-966A-7274-D46E-4C3BECACF790}"/>
+          </ac:spMkLst>
+        </pc:spChg>
+        <pc:spChg chg="add mod">
+          <ac:chgData name="Laboratories Aperture Science" userId="4ef7ff3058e5cb20" providerId="LiveId" clId="{99265D2E-1342-C845-894B-EFD3AF68D807}" dt="2024-04-19T14:14:39.382" v="116" actId="20577"/>
+          <ac:spMkLst>
+            <pc:docMk/>
+            <pc:sldMk cId="1994755014" sldId="258"/>
+            <ac:spMk id="12" creationId="{7812DD2E-F565-CDFF-EFF3-69DC41BDA80D}"/>
+          </ac:spMkLst>
+        </pc:spChg>
+        <pc:spChg chg="add mod">
+          <ac:chgData name="Laboratories Aperture Science" userId="4ef7ff3058e5cb20" providerId="LiveId" clId="{99265D2E-1342-C845-894B-EFD3AF68D807}" dt="2024-04-19T14:36:40.253" v="219" actId="20577"/>
+          <ac:spMkLst>
+            <pc:docMk/>
+            <pc:sldMk cId="1994755014" sldId="258"/>
+            <ac:spMk id="13" creationId="{B79FF307-DEC0-25B0-BEF5-662F49869B33}"/>
+          </ac:spMkLst>
+        </pc:spChg>
+        <pc:spChg chg="add mod">
+          <ac:chgData name="Laboratories Aperture Science" userId="4ef7ff3058e5cb20" providerId="LiveId" clId="{99265D2E-1342-C845-894B-EFD3AF68D807}" dt="2024-04-23T14:45:23.415" v="932" actId="20577"/>
+          <ac:spMkLst>
+            <pc:docMk/>
+            <pc:sldMk cId="1994755014" sldId="258"/>
+            <ac:spMk id="14" creationId="{FCEE769F-C378-9420-AFB9-39F28FDAECF2}"/>
+          </ac:spMkLst>
+        </pc:spChg>
+        <pc:spChg chg="add mod">
+          <ac:chgData name="Laboratories Aperture Science" userId="4ef7ff3058e5cb20" providerId="LiveId" clId="{99265D2E-1342-C845-894B-EFD3AF68D807}" dt="2024-04-20T04:11:45.495" v="589"/>
+          <ac:spMkLst>
+            <pc:docMk/>
+            <pc:sldMk cId="1994755014" sldId="258"/>
+            <ac:spMk id="15" creationId="{DEC93B67-3E62-6590-C7F9-59A6E0AE3E4C}"/>
+          </ac:spMkLst>
+        </pc:spChg>
+        <pc:spChg chg="add mod">
+          <ac:chgData name="Laboratories Aperture Science" userId="4ef7ff3058e5cb20" providerId="LiveId" clId="{99265D2E-1342-C845-894B-EFD3AF68D807}" dt="2024-04-20T04:12:14.316" v="627" actId="1038"/>
+          <ac:spMkLst>
+            <pc:docMk/>
+            <pc:sldMk cId="1994755014" sldId="258"/>
+            <ac:spMk id="16" creationId="{D12D5E6F-934B-E305-C0B4-DFF2E4BAB41E}"/>
+          </ac:spMkLst>
+        </pc:spChg>
+        <pc:spChg chg="add del mod">
+          <ac:chgData name="Laboratories Aperture Science" userId="4ef7ff3058e5cb20" providerId="LiveId" clId="{99265D2E-1342-C845-894B-EFD3AF68D807}" dt="2024-04-20T04:14:19.204" v="657"/>
+          <ac:spMkLst>
+            <pc:docMk/>
+            <pc:sldMk cId="1994755014" sldId="258"/>
+            <ac:spMk id="17" creationId="{94022AAA-1767-DF2C-65CB-1D064C09F97A}"/>
+          </ac:spMkLst>
+        </pc:spChg>
+        <pc:spChg chg="add mod">
+          <ac:chgData name="Laboratories Aperture Science" userId="4ef7ff3058e5cb20" providerId="LiveId" clId="{99265D2E-1342-C845-894B-EFD3AF68D807}" dt="2024-04-20T04:15:39.789" v="693" actId="20577"/>
+          <ac:spMkLst>
+            <pc:docMk/>
+            <pc:sldMk cId="1994755014" sldId="258"/>
+            <ac:spMk id="18" creationId="{942D7E03-8083-0461-BAD0-A8E503781BC5}"/>
+          </ac:spMkLst>
+        </pc:spChg>
+        <pc:spChg chg="add mod">
+          <ac:chgData name="Laboratories Aperture Science" userId="4ef7ff3058e5cb20" providerId="LiveId" clId="{99265D2E-1342-C845-894B-EFD3AF68D807}" dt="2024-04-20T04:18:56.495" v="882" actId="20577"/>
+          <ac:spMkLst>
+            <pc:docMk/>
+            <pc:sldMk cId="1994755014" sldId="258"/>
+            <ac:spMk id="19" creationId="{F3140E19-02E7-C4E7-7DA4-ACB8D0073FFC}"/>
+          </ac:spMkLst>
+        </pc:spChg>
+        <pc:graphicFrameChg chg="add mod modGraphic">
+          <ac:chgData name="Laboratories Aperture Science" userId="4ef7ff3058e5cb20" providerId="LiveId" clId="{99265D2E-1342-C845-894B-EFD3AF68D807}" dt="2024-04-23T14:43:04.176" v="916" actId="20577"/>
+          <ac:graphicFrameMkLst>
+            <pc:docMk/>
+            <pc:sldMk cId="1994755014" sldId="258"/>
+            <ac:graphicFrameMk id="2" creationId="{E7024C8A-29D4-7A55-1B22-C0D2E987971A}"/>
+          </ac:graphicFrameMkLst>
+        </pc:graphicFrameChg>
+        <pc:graphicFrameChg chg="add mod modGraphic">
+          <ac:chgData name="Laboratories Aperture Science" userId="4ef7ff3058e5cb20" providerId="LiveId" clId="{99265D2E-1342-C845-894B-EFD3AF68D807}" dt="2024-04-23T14:43:05.823" v="917" actId="20577"/>
+          <ac:graphicFrameMkLst>
+            <pc:docMk/>
+            <pc:sldMk cId="1994755014" sldId="258"/>
+            <ac:graphicFrameMk id="6" creationId="{65BF67D0-8430-5B8A-B065-22E9DFBD5402}"/>
+          </ac:graphicFrameMkLst>
+        </pc:graphicFrameChg>
+      </pc:sldChg>
+    </pc:docChg>
+  </pc:docChgLst>
+</pc:chgInfo>
+</file>
+
 <file path=ppt/slideLayouts/slideLayout1.xml><?xml version="1.0" encoding="utf-8"?>
 <p:sldLayout xmlns:a="http://schemas.openxmlformats.org/drawingml/2006/main" xmlns:r="http://schemas.openxmlformats.org/officeDocument/2006/relationships" xmlns:p="http://schemas.openxmlformats.org/presentationml/2006/main" type="title" preserve="1">
   <p:cSld name="标题幻灯片">
@@ -260,7 +426,7 @@
           <a:p>
             <a:fld id="{EB96173F-77D8-3A4A-B83C-B33723880ECE}" type="datetimeFigureOut">
               <a:rPr kumimoji="1" lang="zh-CN" altLang="en-US" smtClean="0"/>
-              <a:t>2024/2/28</a:t>
+              <a:t>2024/4/23</a:t>
             </a:fld>
             <a:endParaRPr kumimoji="1" lang="zh-CN" altLang="en-US"/>
           </a:p>
@@ -458,7 +624,7 @@
           <a:p>
             <a:fld id="{EB96173F-77D8-3A4A-B83C-B33723880ECE}" type="datetimeFigureOut">
               <a:rPr kumimoji="1" lang="zh-CN" altLang="en-US" smtClean="0"/>
-              <a:t>2024/2/28</a:t>
+              <a:t>2024/4/23</a:t>
             </a:fld>
             <a:endParaRPr kumimoji="1" lang="zh-CN" altLang="en-US"/>
           </a:p>
@@ -666,7 +832,7 @@
           <a:p>
             <a:fld id="{EB96173F-77D8-3A4A-B83C-B33723880ECE}" type="datetimeFigureOut">
               <a:rPr kumimoji="1" lang="zh-CN" altLang="en-US" smtClean="0"/>
-              <a:t>2024/2/28</a:t>
+              <a:t>2024/4/23</a:t>
             </a:fld>
             <a:endParaRPr kumimoji="1" lang="zh-CN" altLang="en-US"/>
           </a:p>
@@ -864,7 +1030,7 @@
           <a:p>
             <a:fld id="{EB96173F-77D8-3A4A-B83C-B33723880ECE}" type="datetimeFigureOut">
               <a:rPr kumimoji="1" lang="zh-CN" altLang="en-US" smtClean="0"/>
-              <a:t>2024/2/28</a:t>
+              <a:t>2024/4/23</a:t>
             </a:fld>
             <a:endParaRPr kumimoji="1" lang="zh-CN" altLang="en-US"/>
           </a:p>
@@ -1139,7 +1305,7 @@
           <a:p>
             <a:fld id="{EB96173F-77D8-3A4A-B83C-B33723880ECE}" type="datetimeFigureOut">
               <a:rPr kumimoji="1" lang="zh-CN" altLang="en-US" smtClean="0"/>
-              <a:t>2024/2/28</a:t>
+              <a:t>2024/4/23</a:t>
             </a:fld>
             <a:endParaRPr kumimoji="1" lang="zh-CN" altLang="en-US"/>
           </a:p>
@@ -1404,7 +1570,7 @@
           <a:p>
             <a:fld id="{EB96173F-77D8-3A4A-B83C-B33723880ECE}" type="datetimeFigureOut">
               <a:rPr kumimoji="1" lang="zh-CN" altLang="en-US" smtClean="0"/>
-              <a:t>2024/2/28</a:t>
+              <a:t>2024/4/23</a:t>
             </a:fld>
             <a:endParaRPr kumimoji="1" lang="zh-CN" altLang="en-US"/>
           </a:p>
@@ -1816,7 +1982,7 @@
           <a:p>
             <a:fld id="{EB96173F-77D8-3A4A-B83C-B33723880ECE}" type="datetimeFigureOut">
               <a:rPr kumimoji="1" lang="zh-CN" altLang="en-US" smtClean="0"/>
-              <a:t>2024/2/28</a:t>
+              <a:t>2024/4/23</a:t>
             </a:fld>
             <a:endParaRPr kumimoji="1" lang="zh-CN" altLang="en-US"/>
           </a:p>
@@ -1957,7 +2123,7 @@
           <a:p>
             <a:fld id="{EB96173F-77D8-3A4A-B83C-B33723880ECE}" type="datetimeFigureOut">
               <a:rPr kumimoji="1" lang="zh-CN" altLang="en-US" smtClean="0"/>
-              <a:t>2024/2/28</a:t>
+              <a:t>2024/4/23</a:t>
             </a:fld>
             <a:endParaRPr kumimoji="1" lang="zh-CN" altLang="en-US"/>
           </a:p>
@@ -2070,7 +2236,7 @@
           <a:p>
             <a:fld id="{EB96173F-77D8-3A4A-B83C-B33723880ECE}" type="datetimeFigureOut">
               <a:rPr kumimoji="1" lang="zh-CN" altLang="en-US" smtClean="0"/>
-              <a:t>2024/2/28</a:t>
+              <a:t>2024/4/23</a:t>
             </a:fld>
             <a:endParaRPr kumimoji="1" lang="zh-CN" altLang="en-US"/>
           </a:p>
@@ -2381,7 +2547,7 @@
           <a:p>
             <a:fld id="{EB96173F-77D8-3A4A-B83C-B33723880ECE}" type="datetimeFigureOut">
               <a:rPr kumimoji="1" lang="zh-CN" altLang="en-US" smtClean="0"/>
-              <a:t>2024/2/28</a:t>
+              <a:t>2024/4/23</a:t>
             </a:fld>
             <a:endParaRPr kumimoji="1" lang="zh-CN" altLang="en-US"/>
           </a:p>
@@ -2669,7 +2835,7 @@
           <a:p>
             <a:fld id="{EB96173F-77D8-3A4A-B83C-B33723880ECE}" type="datetimeFigureOut">
               <a:rPr kumimoji="1" lang="zh-CN" altLang="en-US" smtClean="0"/>
-              <a:t>2024/2/28</a:t>
+              <a:t>2024/4/23</a:t>
             </a:fld>
             <a:endParaRPr kumimoji="1" lang="zh-CN" altLang="en-US"/>
           </a:p>
@@ -2910,7 +3076,7 @@
           <a:p>
             <a:fld id="{EB96173F-77D8-3A4A-B83C-B33723880ECE}" type="datetimeFigureOut">
               <a:rPr kumimoji="1" lang="zh-CN" altLang="en-US" smtClean="0"/>
-              <a:t>2024/2/28</a:t>
+              <a:t>2024/4/23</a:t>
             </a:fld>
             <a:endParaRPr kumimoji="1" lang="zh-CN" altLang="en-US"/>
           </a:p>
@@ -5856,13 +6022,8 @@
           <a:p>
             <a:r>
               <a:rPr kumimoji="1" lang="en-US" altLang="zh-CN" dirty="0"/>
-              <a:t>110:Rd=R0</a:t>
-            </a:r>
-            <a:r>
-              <a:rPr kumimoji="1" lang="en-US" altLang="zh-CN"/>
-              <a:t>+R1+Carry</a:t>
-            </a:r>
-            <a:endParaRPr kumimoji="1" lang="en-US" altLang="zh-CN" dirty="0"/>
+              <a:t>110:Rd=R0+R1+Carry</a:t>
+            </a:r>
           </a:p>
           <a:p>
             <a:r>
@@ -5988,6 +6149,1726 @@
     <p:extLst>
       <p:ext uri="{BB962C8B-B14F-4D97-AF65-F5344CB8AC3E}">
         <p14:creationId xmlns:p14="http://schemas.microsoft.com/office/powerpoint/2010/main" val="598628777"/>
+      </p:ext>
+    </p:extLst>
+  </p:cSld>
+  <p:clrMapOvr>
+    <a:masterClrMapping/>
+  </p:clrMapOvr>
+</p:sld>
+</file>
+
+<file path=ppt/slides/slide3.xml><?xml version="1.0" encoding="utf-8"?>
+<p:sld xmlns:a="http://schemas.openxmlformats.org/drawingml/2006/main" xmlns:r="http://schemas.openxmlformats.org/officeDocument/2006/relationships" xmlns:p="http://schemas.openxmlformats.org/presentationml/2006/main">
+  <p:cSld>
+    <p:spTree>
+      <p:nvGrpSpPr>
+        <p:cNvPr id="1" name=""/>
+        <p:cNvGrpSpPr/>
+        <p:nvPr/>
+      </p:nvGrpSpPr>
+      <p:grpSpPr>
+        <a:xfrm>
+          <a:off x="0" y="0"/>
+          <a:ext cx="0" cy="0"/>
+          <a:chOff x="0" y="0"/>
+          <a:chExt cx="0" cy="0"/>
+        </a:xfrm>
+      </p:grpSpPr>
+      <p:graphicFrame>
+        <p:nvGraphicFramePr>
+          <p:cNvPr id="2" name="表格 3">
+            <a:extLst>
+              <a:ext uri="{FF2B5EF4-FFF2-40B4-BE49-F238E27FC236}">
+                <a16:creationId xmlns:a16="http://schemas.microsoft.com/office/drawing/2014/main" id="{E7024C8A-29D4-7A55-1B22-C0D2E987971A}"/>
+              </a:ext>
+            </a:extLst>
+          </p:cNvPr>
+          <p:cNvGraphicFramePr>
+            <a:graphicFrameLocks noGrp="1"/>
+          </p:cNvGraphicFramePr>
+          <p:nvPr>
+            <p:extLst>
+              <p:ext uri="{D42A27DB-BD31-4B8C-83A1-F6EECF244321}">
+                <p14:modId xmlns:p14="http://schemas.microsoft.com/office/powerpoint/2010/main" val="1516327180"/>
+              </p:ext>
+            </p:extLst>
+          </p:nvPr>
+        </p:nvGraphicFramePr>
+        <p:xfrm>
+          <a:off x="639036" y="719666"/>
+          <a:ext cx="10855776" cy="370840"/>
+        </p:xfrm>
+        <a:graphic>
+          <a:graphicData uri="http://schemas.openxmlformats.org/drawingml/2006/table">
+            <a:tbl>
+              <a:tblPr firstRow="1" bandRow="1">
+                <a:tableStyleId>{073A0DAA-6AF3-43AB-8588-CEC1D06C72B9}</a:tableStyleId>
+              </a:tblPr>
+              <a:tblGrid>
+                <a:gridCol w="927005">
+                  <a:extLst>
+                    <a:ext uri="{9D8B030D-6E8A-4147-A177-3AD203B41FA5}">
+                      <a16:colId xmlns:a16="http://schemas.microsoft.com/office/drawing/2014/main" val="3852944460"/>
+                    </a:ext>
+                  </a:extLst>
+                </a:gridCol>
+                <a:gridCol w="9928771">
+                  <a:extLst>
+                    <a:ext uri="{9D8B030D-6E8A-4147-A177-3AD203B41FA5}">
+                      <a16:colId xmlns:a16="http://schemas.microsoft.com/office/drawing/2014/main" val="1131242746"/>
+                    </a:ext>
+                  </a:extLst>
+                </a:gridCol>
+              </a:tblGrid>
+              <a:tr h="370840">
+                <a:tc>
+                  <a:txBody>
+                    <a:bodyPr/>
+                    <a:lstStyle/>
+                    <a:p>
+                      <a:pPr algn="ctr"/>
+                      <a:r>
+                        <a:rPr lang="en-US" altLang="zh-CN" b="0" dirty="0">
+                          <a:ln>
+                            <a:solidFill>
+                              <a:schemeClr val="tx1"/>
+                            </a:solidFill>
+                          </a:ln>
+                          <a:solidFill>
+                            <a:schemeClr val="tx1"/>
+                          </a:solidFill>
+                        </a:rPr>
+                        <a:t>1</a:t>
+                      </a:r>
+                      <a:endParaRPr lang="zh-CN" altLang="en-US" b="0" dirty="0">
+                        <a:ln>
+                          <a:solidFill>
+                            <a:schemeClr val="tx1"/>
+                          </a:solidFill>
+                        </a:ln>
+                        <a:solidFill>
+                          <a:schemeClr val="tx1"/>
+                        </a:solidFill>
+                      </a:endParaRPr>
+                    </a:p>
+                  </a:txBody>
+                  <a:tcPr>
+                    <a:lnL w="12700" cap="flat" cmpd="sng" algn="ctr">
+                      <a:solidFill>
+                        <a:schemeClr val="tx1"/>
+                      </a:solidFill>
+                      <a:prstDash val="solid"/>
+                      <a:round/>
+                      <a:headEnd type="none" w="med" len="med"/>
+                      <a:tailEnd type="none" w="med" len="med"/>
+                    </a:lnL>
+                    <a:lnR w="12700" cap="flat" cmpd="sng" algn="ctr">
+                      <a:solidFill>
+                        <a:schemeClr val="tx1"/>
+                      </a:solidFill>
+                      <a:prstDash val="solid"/>
+                      <a:round/>
+                      <a:headEnd type="none" w="med" len="med"/>
+                      <a:tailEnd type="none" w="med" len="med"/>
+                    </a:lnR>
+                    <a:lnT w="12700" cap="flat" cmpd="sng" algn="ctr">
+                      <a:solidFill>
+                        <a:schemeClr val="tx1"/>
+                      </a:solidFill>
+                      <a:prstDash val="solid"/>
+                      <a:round/>
+                      <a:headEnd type="none" w="med" len="med"/>
+                      <a:tailEnd type="none" w="med" len="med"/>
+                    </a:lnT>
+                    <a:lnB w="12700" cap="flat" cmpd="sng" algn="ctr">
+                      <a:solidFill>
+                        <a:schemeClr val="tx1"/>
+                      </a:solidFill>
+                      <a:prstDash val="solid"/>
+                      <a:round/>
+                      <a:headEnd type="none" w="med" len="med"/>
+                      <a:tailEnd type="none" w="med" len="med"/>
+                    </a:lnB>
+                    <a:lnTlToBr w="12700" cmpd="sng">
+                      <a:noFill/>
+                      <a:prstDash val="solid"/>
+                    </a:lnTlToBr>
+                    <a:lnBlToTr w="12700" cmpd="sng">
+                      <a:noFill/>
+                      <a:prstDash val="solid"/>
+                    </a:lnBlToTr>
+                    <a:solidFill>
+                      <a:schemeClr val="bg1"/>
+                    </a:solidFill>
+                  </a:tcPr>
+                </a:tc>
+                <a:tc>
+                  <a:txBody>
+                    <a:bodyPr/>
+                    <a:lstStyle/>
+                    <a:p>
+                      <a:pPr algn="ctr"/>
+                      <a:r>
+                        <a:rPr lang="en-US" altLang="zh-CN" b="0" dirty="0">
+                          <a:ln>
+                            <a:solidFill>
+                              <a:schemeClr val="tx1"/>
+                            </a:solidFill>
+                          </a:ln>
+                          <a:solidFill>
+                            <a:schemeClr val="tx1"/>
+                          </a:solidFill>
+                        </a:rPr>
+                        <a:t>Rm</a:t>
+                      </a:r>
+                      <a:endParaRPr lang="zh-CN" altLang="en-US" b="0" dirty="0">
+                        <a:ln>
+                          <a:solidFill>
+                            <a:schemeClr val="tx1"/>
+                          </a:solidFill>
+                        </a:ln>
+                        <a:solidFill>
+                          <a:schemeClr val="tx1"/>
+                        </a:solidFill>
+                      </a:endParaRPr>
+                    </a:p>
+                  </a:txBody>
+                  <a:tcPr>
+                    <a:lnL w="12700" cap="flat" cmpd="sng" algn="ctr">
+                      <a:solidFill>
+                        <a:schemeClr val="tx1"/>
+                      </a:solidFill>
+                      <a:prstDash val="solid"/>
+                      <a:round/>
+                      <a:headEnd type="none" w="med" len="med"/>
+                      <a:tailEnd type="none" w="med" len="med"/>
+                    </a:lnL>
+                    <a:lnR w="12700" cap="flat" cmpd="sng" algn="ctr">
+                      <a:solidFill>
+                        <a:schemeClr val="tx1"/>
+                      </a:solidFill>
+                      <a:prstDash val="solid"/>
+                      <a:round/>
+                      <a:headEnd type="none" w="med" len="med"/>
+                      <a:tailEnd type="none" w="med" len="med"/>
+                    </a:lnR>
+                    <a:lnT w="12700" cap="flat" cmpd="sng" algn="ctr">
+                      <a:solidFill>
+                        <a:schemeClr val="tx1"/>
+                      </a:solidFill>
+                      <a:prstDash val="solid"/>
+                      <a:round/>
+                      <a:headEnd type="none" w="med" len="med"/>
+                      <a:tailEnd type="none" w="med" len="med"/>
+                    </a:lnT>
+                    <a:lnB w="12700" cap="flat" cmpd="sng" algn="ctr">
+                      <a:solidFill>
+                        <a:schemeClr val="tx1"/>
+                      </a:solidFill>
+                      <a:prstDash val="solid"/>
+                      <a:round/>
+                      <a:headEnd type="none" w="med" len="med"/>
+                      <a:tailEnd type="none" w="med" len="med"/>
+                    </a:lnB>
+                    <a:lnTlToBr w="12700" cmpd="sng">
+                      <a:noFill/>
+                      <a:prstDash val="solid"/>
+                    </a:lnTlToBr>
+                    <a:lnBlToTr w="12700" cmpd="sng">
+                      <a:noFill/>
+                      <a:prstDash val="solid"/>
+                    </a:lnBlToTr>
+                    <a:solidFill>
+                      <a:schemeClr val="bg1"/>
+                    </a:solidFill>
+                  </a:tcPr>
+                </a:tc>
+                <a:extLst>
+                  <a:ext uri="{0D108BD9-81ED-4DB2-BD59-A6C34878D82A}">
+                    <a16:rowId xmlns:a16="http://schemas.microsoft.com/office/drawing/2014/main" val="441353489"/>
+                  </a:ext>
+                </a:extLst>
+              </a:tr>
+            </a:tbl>
+          </a:graphicData>
+        </a:graphic>
+      </p:graphicFrame>
+      <p:sp>
+        <p:nvSpPr>
+          <p:cNvPr id="3" name="文本框 4">
+            <a:extLst>
+              <a:ext uri="{FF2B5EF4-FFF2-40B4-BE49-F238E27FC236}">
+                <a16:creationId xmlns:a16="http://schemas.microsoft.com/office/drawing/2014/main" id="{3A349FE2-336F-A043-8C9F-1B8769C6B40F}"/>
+              </a:ext>
+            </a:extLst>
+          </p:cNvPr>
+          <p:cNvSpPr txBox="1"/>
+          <p:nvPr/>
+        </p:nvSpPr>
+        <p:spPr>
+          <a:xfrm>
+            <a:off x="887808" y="350334"/>
+            <a:ext cx="428322" cy="369332"/>
+          </a:xfrm>
+          <a:prstGeom prst="rect">
+            <a:avLst/>
+          </a:prstGeom>
+          <a:noFill/>
+        </p:spPr>
+        <p:txBody>
+          <a:bodyPr wrap="none" rtlCol="0">
+            <a:spAutoFit/>
+          </a:bodyPr>
+          <a:lstStyle/>
+          <a:p>
+            <a:r>
+              <a:rPr kumimoji="1" lang="en-US" altLang="zh-CN" dirty="0"/>
+              <a:t>15</a:t>
+            </a:r>
+            <a:endParaRPr kumimoji="1" lang="zh-CN" altLang="en-US" dirty="0"/>
+          </a:p>
+        </p:txBody>
+      </p:sp>
+      <p:sp>
+        <p:nvSpPr>
+          <p:cNvPr id="4" name="文本框 5">
+            <a:extLst>
+              <a:ext uri="{FF2B5EF4-FFF2-40B4-BE49-F238E27FC236}">
+                <a16:creationId xmlns:a16="http://schemas.microsoft.com/office/drawing/2014/main" id="{411DAA6B-269A-CF1B-4BB0-E1EFFC58800A}"/>
+              </a:ext>
+            </a:extLst>
+          </p:cNvPr>
+          <p:cNvSpPr txBox="1"/>
+          <p:nvPr/>
+        </p:nvSpPr>
+        <p:spPr>
+          <a:xfrm>
+            <a:off x="1580327" y="350334"/>
+            <a:ext cx="428322" cy="369332"/>
+          </a:xfrm>
+          <a:prstGeom prst="rect">
+            <a:avLst/>
+          </a:prstGeom>
+          <a:noFill/>
+        </p:spPr>
+        <p:txBody>
+          <a:bodyPr wrap="none" rtlCol="0">
+            <a:spAutoFit/>
+          </a:bodyPr>
+          <a:lstStyle/>
+          <a:p>
+            <a:r>
+              <a:rPr kumimoji="1" lang="en-US" altLang="zh-CN" dirty="0"/>
+              <a:t>14</a:t>
+            </a:r>
+            <a:endParaRPr kumimoji="1" lang="zh-CN" altLang="en-US" dirty="0"/>
+          </a:p>
+        </p:txBody>
+      </p:sp>
+      <p:sp>
+        <p:nvSpPr>
+          <p:cNvPr id="5" name="文本框 8">
+            <a:extLst>
+              <a:ext uri="{FF2B5EF4-FFF2-40B4-BE49-F238E27FC236}">
+                <a16:creationId xmlns:a16="http://schemas.microsoft.com/office/drawing/2014/main" id="{F16BED59-F1B3-72A4-EB94-AB29CEDB5CB3}"/>
+              </a:ext>
+            </a:extLst>
+          </p:cNvPr>
+          <p:cNvSpPr txBox="1"/>
+          <p:nvPr/>
+        </p:nvSpPr>
+        <p:spPr>
+          <a:xfrm>
+            <a:off x="11246470" y="350472"/>
+            <a:ext cx="306494" cy="369332"/>
+          </a:xfrm>
+          <a:prstGeom prst="rect">
+            <a:avLst/>
+          </a:prstGeom>
+          <a:noFill/>
+        </p:spPr>
+        <p:txBody>
+          <a:bodyPr wrap="none" rtlCol="0">
+            <a:spAutoFit/>
+          </a:bodyPr>
+          <a:lstStyle/>
+          <a:p>
+            <a:r>
+              <a:rPr kumimoji="1" lang="en-US" altLang="zh-CN" dirty="0"/>
+              <a:t>0</a:t>
+            </a:r>
+            <a:endParaRPr kumimoji="1" lang="zh-CN" altLang="en-US" dirty="0"/>
+          </a:p>
+        </p:txBody>
+      </p:sp>
+      <p:graphicFrame>
+        <p:nvGraphicFramePr>
+          <p:cNvPr id="6" name="表格 10">
+            <a:extLst>
+              <a:ext uri="{FF2B5EF4-FFF2-40B4-BE49-F238E27FC236}">
+                <a16:creationId xmlns:a16="http://schemas.microsoft.com/office/drawing/2014/main" id="{65BF67D0-8430-5B8A-B065-22E9DFBD5402}"/>
+              </a:ext>
+            </a:extLst>
+          </p:cNvPr>
+          <p:cNvGraphicFramePr>
+            <a:graphicFrameLocks noGrp="1"/>
+          </p:cNvGraphicFramePr>
+          <p:nvPr>
+            <p:extLst>
+              <p:ext uri="{D42A27DB-BD31-4B8C-83A1-F6EECF244321}">
+                <p14:modId xmlns:p14="http://schemas.microsoft.com/office/powerpoint/2010/main" val="1288942231"/>
+              </p:ext>
+            </p:extLst>
+          </p:nvPr>
+        </p:nvGraphicFramePr>
+        <p:xfrm>
+          <a:off x="639036" y="1557866"/>
+          <a:ext cx="10855774" cy="370840"/>
+        </p:xfrm>
+        <a:graphic>
+          <a:graphicData uri="http://schemas.openxmlformats.org/drawingml/2006/table">
+            <a:tbl>
+              <a:tblPr firstRow="1" bandRow="1">
+                <a:tableStyleId>{073A0DAA-6AF3-43AB-8588-CEC1D06C72B9}</a:tableStyleId>
+              </a:tblPr>
+              <a:tblGrid>
+                <a:gridCol w="937516">
+                  <a:extLst>
+                    <a:ext uri="{9D8B030D-6E8A-4147-A177-3AD203B41FA5}">
+                      <a16:colId xmlns:a16="http://schemas.microsoft.com/office/drawing/2014/main" val="3852944460"/>
+                    </a:ext>
+                  </a:extLst>
+                </a:gridCol>
+                <a:gridCol w="1481958">
+                  <a:extLst>
+                    <a:ext uri="{9D8B030D-6E8A-4147-A177-3AD203B41FA5}">
+                      <a16:colId xmlns:a16="http://schemas.microsoft.com/office/drawing/2014/main" val="1131242746"/>
+                    </a:ext>
+                  </a:extLst>
+                </a:gridCol>
+                <a:gridCol w="2816773">
+                  <a:extLst>
+                    <a:ext uri="{9D8B030D-6E8A-4147-A177-3AD203B41FA5}">
+                      <a16:colId xmlns:a16="http://schemas.microsoft.com/office/drawing/2014/main" val="2070543707"/>
+                    </a:ext>
+                  </a:extLst>
+                </a:gridCol>
+                <a:gridCol w="1860331">
+                  <a:extLst>
+                    <a:ext uri="{9D8B030D-6E8A-4147-A177-3AD203B41FA5}">
+                      <a16:colId xmlns:a16="http://schemas.microsoft.com/office/drawing/2014/main" val="1141265838"/>
+                    </a:ext>
+                  </a:extLst>
+                </a:gridCol>
+                <a:gridCol w="1744717">
+                  <a:extLst>
+                    <a:ext uri="{9D8B030D-6E8A-4147-A177-3AD203B41FA5}">
+                      <a16:colId xmlns:a16="http://schemas.microsoft.com/office/drawing/2014/main" val="198777393"/>
+                    </a:ext>
+                  </a:extLst>
+                </a:gridCol>
+                <a:gridCol w="2014479">
+                  <a:extLst>
+                    <a:ext uri="{9D8B030D-6E8A-4147-A177-3AD203B41FA5}">
+                      <a16:colId xmlns:a16="http://schemas.microsoft.com/office/drawing/2014/main" val="3471788575"/>
+                    </a:ext>
+                  </a:extLst>
+                </a:gridCol>
+              </a:tblGrid>
+              <a:tr h="370840">
+                <a:tc>
+                  <a:txBody>
+                    <a:bodyPr/>
+                    <a:lstStyle/>
+                    <a:p>
+                      <a:pPr algn="ctr"/>
+                      <a:r>
+                        <a:rPr lang="en-US" altLang="zh-CN" b="0" dirty="0">
+                          <a:ln>
+                            <a:solidFill>
+                              <a:schemeClr val="tx1"/>
+                            </a:solidFill>
+                          </a:ln>
+                          <a:solidFill>
+                            <a:schemeClr val="tx1"/>
+                          </a:solidFill>
+                        </a:rPr>
+                        <a:t>0</a:t>
+                      </a:r>
+                      <a:endParaRPr lang="zh-CN" altLang="en-US" b="0" dirty="0">
+                        <a:ln>
+                          <a:solidFill>
+                            <a:schemeClr val="tx1"/>
+                          </a:solidFill>
+                        </a:ln>
+                        <a:solidFill>
+                          <a:schemeClr val="tx1"/>
+                        </a:solidFill>
+                      </a:endParaRPr>
+                    </a:p>
+                  </a:txBody>
+                  <a:tcPr>
+                    <a:lnL w="12700" cap="flat" cmpd="sng" algn="ctr">
+                      <a:solidFill>
+                        <a:schemeClr val="tx1"/>
+                      </a:solidFill>
+                      <a:prstDash val="solid"/>
+                      <a:round/>
+                      <a:headEnd type="none" w="med" len="med"/>
+                      <a:tailEnd type="none" w="med" len="med"/>
+                    </a:lnL>
+                    <a:lnR w="12700" cap="flat" cmpd="sng" algn="ctr">
+                      <a:solidFill>
+                        <a:schemeClr val="tx1"/>
+                      </a:solidFill>
+                      <a:prstDash val="solid"/>
+                      <a:round/>
+                      <a:headEnd type="none" w="med" len="med"/>
+                      <a:tailEnd type="none" w="med" len="med"/>
+                    </a:lnR>
+                    <a:lnT w="12700" cap="flat" cmpd="sng" algn="ctr">
+                      <a:solidFill>
+                        <a:schemeClr val="tx1"/>
+                      </a:solidFill>
+                      <a:prstDash val="solid"/>
+                      <a:round/>
+                      <a:headEnd type="none" w="med" len="med"/>
+                      <a:tailEnd type="none" w="med" len="med"/>
+                    </a:lnT>
+                    <a:lnB w="12700" cap="flat" cmpd="sng" algn="ctr">
+                      <a:solidFill>
+                        <a:schemeClr val="tx1"/>
+                      </a:solidFill>
+                      <a:prstDash val="solid"/>
+                      <a:round/>
+                      <a:headEnd type="none" w="med" len="med"/>
+                      <a:tailEnd type="none" w="med" len="med"/>
+                    </a:lnB>
+                    <a:lnTlToBr w="12700" cmpd="sng">
+                      <a:noFill/>
+                      <a:prstDash val="solid"/>
+                    </a:lnTlToBr>
+                    <a:lnBlToTr w="12700" cmpd="sng">
+                      <a:noFill/>
+                      <a:prstDash val="solid"/>
+                    </a:lnBlToTr>
+                    <a:solidFill>
+                      <a:schemeClr val="bg1"/>
+                    </a:solidFill>
+                  </a:tcPr>
+                </a:tc>
+                <a:tc>
+                  <a:txBody>
+                    <a:bodyPr/>
+                    <a:lstStyle/>
+                    <a:p>
+                      <a:pPr algn="ctr"/>
+                      <a:r>
+                        <a:rPr lang="en-US" altLang="zh-CN" b="0" dirty="0">
+                          <a:ln>
+                            <a:solidFill>
+                              <a:schemeClr val="tx1"/>
+                            </a:solidFill>
+                          </a:ln>
+                          <a:solidFill>
+                            <a:schemeClr val="tx1"/>
+                          </a:solidFill>
+                        </a:rPr>
+                        <a:t>Rd[2:0]</a:t>
+                      </a:r>
+                    </a:p>
+                  </a:txBody>
+                  <a:tcPr>
+                    <a:lnL w="12700" cap="flat" cmpd="sng" algn="ctr">
+                      <a:solidFill>
+                        <a:schemeClr val="tx1"/>
+                      </a:solidFill>
+                      <a:prstDash val="solid"/>
+                      <a:round/>
+                      <a:headEnd type="none" w="med" len="med"/>
+                      <a:tailEnd type="none" w="med" len="med"/>
+                    </a:lnL>
+                    <a:lnR w="12700" cap="flat" cmpd="sng" algn="ctr">
+                      <a:solidFill>
+                        <a:schemeClr val="tx1"/>
+                      </a:solidFill>
+                      <a:prstDash val="solid"/>
+                      <a:round/>
+                      <a:headEnd type="none" w="med" len="med"/>
+                      <a:tailEnd type="none" w="med" len="med"/>
+                    </a:lnR>
+                    <a:lnT w="12700" cap="flat" cmpd="sng" algn="ctr">
+                      <a:solidFill>
+                        <a:schemeClr val="tx1"/>
+                      </a:solidFill>
+                      <a:prstDash val="solid"/>
+                      <a:round/>
+                      <a:headEnd type="none" w="med" len="med"/>
+                      <a:tailEnd type="none" w="med" len="med"/>
+                    </a:lnT>
+                    <a:lnB w="12700" cap="flat" cmpd="sng" algn="ctr">
+                      <a:solidFill>
+                        <a:schemeClr val="tx1"/>
+                      </a:solidFill>
+                      <a:prstDash val="solid"/>
+                      <a:round/>
+                      <a:headEnd type="none" w="med" len="med"/>
+                      <a:tailEnd type="none" w="med" len="med"/>
+                    </a:lnB>
+                    <a:lnTlToBr w="12700" cmpd="sng">
+                      <a:noFill/>
+                      <a:prstDash val="solid"/>
+                    </a:lnTlToBr>
+                    <a:lnBlToTr w="12700" cmpd="sng">
+                      <a:noFill/>
+                      <a:prstDash val="solid"/>
+                    </a:lnBlToTr>
+                    <a:solidFill>
+                      <a:schemeClr val="bg1"/>
+                    </a:solidFill>
+                  </a:tcPr>
+                </a:tc>
+                <a:tc>
+                  <a:txBody>
+                    <a:bodyPr/>
+                    <a:lstStyle/>
+                    <a:p>
+                      <a:pPr algn="ctr"/>
+                      <a:r>
+                        <a:rPr lang="en-US" altLang="zh-CN" b="0" dirty="0">
+                          <a:ln>
+                            <a:solidFill>
+                              <a:schemeClr val="tx1"/>
+                            </a:solidFill>
+                          </a:ln>
+                          <a:solidFill>
+                            <a:schemeClr val="tx1"/>
+                          </a:solidFill>
+                        </a:rPr>
+                        <a:t>Opcode[3:0]</a:t>
+                      </a:r>
+                      <a:endParaRPr lang="zh-CN" altLang="en-US" b="0" dirty="0">
+                        <a:ln>
+                          <a:solidFill>
+                            <a:schemeClr val="tx1"/>
+                          </a:solidFill>
+                        </a:ln>
+                        <a:solidFill>
+                          <a:schemeClr val="tx1"/>
+                        </a:solidFill>
+                      </a:endParaRPr>
+                    </a:p>
+                  </a:txBody>
+                  <a:tcPr>
+                    <a:lnL w="12700" cap="flat" cmpd="sng" algn="ctr">
+                      <a:solidFill>
+                        <a:schemeClr val="tx1"/>
+                      </a:solidFill>
+                      <a:prstDash val="solid"/>
+                      <a:round/>
+                      <a:headEnd type="none" w="med" len="med"/>
+                      <a:tailEnd type="none" w="med" len="med"/>
+                    </a:lnL>
+                    <a:lnR w="12700" cap="flat" cmpd="sng" algn="ctr">
+                      <a:solidFill>
+                        <a:schemeClr val="tx1"/>
+                      </a:solidFill>
+                      <a:prstDash val="solid"/>
+                      <a:round/>
+                      <a:headEnd type="none" w="med" len="med"/>
+                      <a:tailEnd type="none" w="med" len="med"/>
+                    </a:lnR>
+                    <a:lnT w="12700" cap="flat" cmpd="sng" algn="ctr">
+                      <a:solidFill>
+                        <a:schemeClr val="tx1"/>
+                      </a:solidFill>
+                      <a:prstDash val="solid"/>
+                      <a:round/>
+                      <a:headEnd type="none" w="med" len="med"/>
+                      <a:tailEnd type="none" w="med" len="med"/>
+                    </a:lnT>
+                    <a:lnB w="12700" cap="flat" cmpd="sng" algn="ctr">
+                      <a:solidFill>
+                        <a:schemeClr val="tx1"/>
+                      </a:solidFill>
+                      <a:prstDash val="solid"/>
+                      <a:round/>
+                      <a:headEnd type="none" w="med" len="med"/>
+                      <a:tailEnd type="none" w="med" len="med"/>
+                    </a:lnB>
+                    <a:lnTlToBr w="12700" cmpd="sng">
+                      <a:noFill/>
+                      <a:prstDash val="solid"/>
+                    </a:lnTlToBr>
+                    <a:lnBlToTr w="12700" cmpd="sng">
+                      <a:noFill/>
+                      <a:prstDash val="solid"/>
+                    </a:lnBlToTr>
+                    <a:solidFill>
+                      <a:schemeClr val="bg1"/>
+                    </a:solidFill>
+                  </a:tcPr>
+                </a:tc>
+                <a:tc>
+                  <a:txBody>
+                    <a:bodyPr/>
+                    <a:lstStyle/>
+                    <a:p>
+                      <a:pPr algn="ctr"/>
+                      <a:r>
+                        <a:rPr lang="en-US" altLang="zh-CN" b="0" dirty="0">
+                          <a:ln>
+                            <a:solidFill>
+                              <a:schemeClr val="tx1"/>
+                            </a:solidFill>
+                          </a:ln>
+                          <a:solidFill>
+                            <a:schemeClr val="tx1"/>
+                          </a:solidFill>
+                        </a:rPr>
+                        <a:t>Rs1[2:0]</a:t>
+                      </a:r>
+                      <a:endParaRPr lang="zh-CN" altLang="en-US" b="0" dirty="0">
+                        <a:ln>
+                          <a:solidFill>
+                            <a:schemeClr val="tx1"/>
+                          </a:solidFill>
+                        </a:ln>
+                        <a:solidFill>
+                          <a:schemeClr val="tx1"/>
+                        </a:solidFill>
+                      </a:endParaRPr>
+                    </a:p>
+                  </a:txBody>
+                  <a:tcPr>
+                    <a:lnL w="12700" cap="flat" cmpd="sng" algn="ctr">
+                      <a:solidFill>
+                        <a:schemeClr val="tx1"/>
+                      </a:solidFill>
+                      <a:prstDash val="solid"/>
+                      <a:round/>
+                      <a:headEnd type="none" w="med" len="med"/>
+                      <a:tailEnd type="none" w="med" len="med"/>
+                    </a:lnL>
+                    <a:lnR w="12700" cap="flat" cmpd="sng" algn="ctr">
+                      <a:solidFill>
+                        <a:schemeClr val="tx1"/>
+                      </a:solidFill>
+                      <a:prstDash val="solid"/>
+                      <a:round/>
+                      <a:headEnd type="none" w="med" len="med"/>
+                      <a:tailEnd type="none" w="med" len="med"/>
+                    </a:lnR>
+                    <a:lnT w="12700" cap="flat" cmpd="sng" algn="ctr">
+                      <a:solidFill>
+                        <a:schemeClr val="tx1"/>
+                      </a:solidFill>
+                      <a:prstDash val="solid"/>
+                      <a:round/>
+                      <a:headEnd type="none" w="med" len="med"/>
+                      <a:tailEnd type="none" w="med" len="med"/>
+                    </a:lnT>
+                    <a:lnB w="12700" cap="flat" cmpd="sng" algn="ctr">
+                      <a:solidFill>
+                        <a:schemeClr val="tx1"/>
+                      </a:solidFill>
+                      <a:prstDash val="solid"/>
+                      <a:round/>
+                      <a:headEnd type="none" w="med" len="med"/>
+                      <a:tailEnd type="none" w="med" len="med"/>
+                    </a:lnB>
+                    <a:lnTlToBr w="12700" cmpd="sng">
+                      <a:noFill/>
+                      <a:prstDash val="solid"/>
+                    </a:lnTlToBr>
+                    <a:lnBlToTr w="12700" cmpd="sng">
+                      <a:noFill/>
+                      <a:prstDash val="solid"/>
+                    </a:lnBlToTr>
+                    <a:solidFill>
+                      <a:schemeClr val="bg1"/>
+                    </a:solidFill>
+                  </a:tcPr>
+                </a:tc>
+                <a:tc>
+                  <a:txBody>
+                    <a:bodyPr/>
+                    <a:lstStyle/>
+                    <a:p>
+                      <a:pPr algn="ctr"/>
+                      <a:r>
+                        <a:rPr lang="en-US" altLang="zh-CN" b="0" dirty="0">
+                          <a:ln>
+                            <a:solidFill>
+                              <a:schemeClr val="tx1"/>
+                            </a:solidFill>
+                          </a:ln>
+                          <a:solidFill>
+                            <a:schemeClr val="tx1"/>
+                          </a:solidFill>
+                        </a:rPr>
+                        <a:t>Rs2[1:0]</a:t>
+                      </a:r>
+                      <a:endParaRPr lang="zh-CN" altLang="en-US" b="0" dirty="0">
+                        <a:ln>
+                          <a:solidFill>
+                            <a:schemeClr val="tx1"/>
+                          </a:solidFill>
+                        </a:ln>
+                        <a:solidFill>
+                          <a:schemeClr val="tx1"/>
+                        </a:solidFill>
+                      </a:endParaRPr>
+                    </a:p>
+                  </a:txBody>
+                  <a:tcPr>
+                    <a:lnL w="12700" cap="flat" cmpd="sng" algn="ctr">
+                      <a:solidFill>
+                        <a:schemeClr val="tx1"/>
+                      </a:solidFill>
+                      <a:prstDash val="solid"/>
+                      <a:round/>
+                      <a:headEnd type="none" w="med" len="med"/>
+                      <a:tailEnd type="none" w="med" len="med"/>
+                    </a:lnL>
+                    <a:lnR w="12700" cap="flat" cmpd="sng" algn="ctr">
+                      <a:solidFill>
+                        <a:schemeClr val="tx1"/>
+                      </a:solidFill>
+                      <a:prstDash val="solid"/>
+                      <a:round/>
+                      <a:headEnd type="none" w="med" len="med"/>
+                      <a:tailEnd type="none" w="med" len="med"/>
+                    </a:lnR>
+                    <a:lnT w="12700" cap="flat" cmpd="sng" algn="ctr">
+                      <a:solidFill>
+                        <a:schemeClr val="tx1"/>
+                      </a:solidFill>
+                      <a:prstDash val="solid"/>
+                      <a:round/>
+                      <a:headEnd type="none" w="med" len="med"/>
+                      <a:tailEnd type="none" w="med" len="med"/>
+                    </a:lnT>
+                    <a:lnB w="12700" cap="flat" cmpd="sng" algn="ctr">
+                      <a:solidFill>
+                        <a:schemeClr val="tx1"/>
+                      </a:solidFill>
+                      <a:prstDash val="solid"/>
+                      <a:round/>
+                      <a:headEnd type="none" w="med" len="med"/>
+                      <a:tailEnd type="none" w="med" len="med"/>
+                    </a:lnB>
+                    <a:lnTlToBr w="12700" cmpd="sng">
+                      <a:noFill/>
+                      <a:prstDash val="solid"/>
+                    </a:lnTlToBr>
+                    <a:lnBlToTr w="12700" cmpd="sng">
+                      <a:noFill/>
+                      <a:prstDash val="solid"/>
+                    </a:lnBlToTr>
+                    <a:solidFill>
+                      <a:schemeClr val="bg1"/>
+                    </a:solidFill>
+                  </a:tcPr>
+                </a:tc>
+                <a:tc>
+                  <a:txBody>
+                    <a:bodyPr/>
+                    <a:lstStyle/>
+                    <a:p>
+                      <a:pPr algn="ctr"/>
+                      <a:r>
+                        <a:rPr lang="en-US" altLang="zh-CN" b="0" dirty="0">
+                          <a:ln>
+                            <a:solidFill>
+                              <a:schemeClr val="tx1"/>
+                            </a:solidFill>
+                          </a:ln>
+                          <a:solidFill>
+                            <a:schemeClr val="tx1"/>
+                          </a:solidFill>
+                        </a:rPr>
+                        <a:t>Cond[2:0]</a:t>
+                      </a:r>
+                      <a:endParaRPr lang="zh-CN" altLang="en-US" b="0" dirty="0">
+                        <a:ln>
+                          <a:solidFill>
+                            <a:schemeClr val="tx1"/>
+                          </a:solidFill>
+                        </a:ln>
+                        <a:solidFill>
+                          <a:schemeClr val="tx1"/>
+                        </a:solidFill>
+                      </a:endParaRPr>
+                    </a:p>
+                  </a:txBody>
+                  <a:tcPr>
+                    <a:lnL w="12700" cap="flat" cmpd="sng" algn="ctr">
+                      <a:solidFill>
+                        <a:schemeClr val="tx1"/>
+                      </a:solidFill>
+                      <a:prstDash val="solid"/>
+                      <a:round/>
+                      <a:headEnd type="none" w="med" len="med"/>
+                      <a:tailEnd type="none" w="med" len="med"/>
+                    </a:lnL>
+                    <a:lnR w="12700" cap="flat" cmpd="sng" algn="ctr">
+                      <a:solidFill>
+                        <a:schemeClr val="tx1"/>
+                      </a:solidFill>
+                      <a:prstDash val="solid"/>
+                      <a:round/>
+                      <a:headEnd type="none" w="med" len="med"/>
+                      <a:tailEnd type="none" w="med" len="med"/>
+                    </a:lnR>
+                    <a:lnT w="12700" cap="flat" cmpd="sng" algn="ctr">
+                      <a:solidFill>
+                        <a:schemeClr val="tx1"/>
+                      </a:solidFill>
+                      <a:prstDash val="solid"/>
+                      <a:round/>
+                      <a:headEnd type="none" w="med" len="med"/>
+                      <a:tailEnd type="none" w="med" len="med"/>
+                    </a:lnT>
+                    <a:lnB w="12700" cap="flat" cmpd="sng" algn="ctr">
+                      <a:solidFill>
+                        <a:schemeClr val="tx1"/>
+                      </a:solidFill>
+                      <a:prstDash val="solid"/>
+                      <a:round/>
+                      <a:headEnd type="none" w="med" len="med"/>
+                      <a:tailEnd type="none" w="med" len="med"/>
+                    </a:lnB>
+                    <a:lnTlToBr w="12700" cmpd="sng">
+                      <a:noFill/>
+                      <a:prstDash val="solid"/>
+                    </a:lnTlToBr>
+                    <a:lnBlToTr w="12700" cmpd="sng">
+                      <a:noFill/>
+                      <a:prstDash val="solid"/>
+                    </a:lnBlToTr>
+                    <a:solidFill>
+                      <a:schemeClr val="bg1"/>
+                    </a:solidFill>
+                  </a:tcPr>
+                </a:tc>
+                <a:extLst>
+                  <a:ext uri="{0D108BD9-81ED-4DB2-BD59-A6C34878D82A}">
+                    <a16:rowId xmlns:a16="http://schemas.microsoft.com/office/drawing/2014/main" val="441353489"/>
+                  </a:ext>
+                </a:extLst>
+              </a:tr>
+            </a:tbl>
+          </a:graphicData>
+        </a:graphic>
+      </p:graphicFrame>
+      <p:sp>
+        <p:nvSpPr>
+          <p:cNvPr id="7" name="文本框 11">
+            <a:extLst>
+              <a:ext uri="{FF2B5EF4-FFF2-40B4-BE49-F238E27FC236}">
+                <a16:creationId xmlns:a16="http://schemas.microsoft.com/office/drawing/2014/main" id="{EEFC9FDA-A96E-3415-619D-73DDEE08EEA4}"/>
+              </a:ext>
+            </a:extLst>
+          </p:cNvPr>
+          <p:cNvSpPr txBox="1"/>
+          <p:nvPr/>
+        </p:nvSpPr>
+        <p:spPr>
+          <a:xfrm>
+            <a:off x="1580327" y="1189399"/>
+            <a:ext cx="428322" cy="369332"/>
+          </a:xfrm>
+          <a:prstGeom prst="rect">
+            <a:avLst/>
+          </a:prstGeom>
+          <a:noFill/>
+        </p:spPr>
+        <p:txBody>
+          <a:bodyPr wrap="none" rtlCol="0">
+            <a:spAutoFit/>
+          </a:bodyPr>
+          <a:lstStyle/>
+          <a:p>
+            <a:r>
+              <a:rPr kumimoji="1" lang="en-US" altLang="zh-CN" dirty="0"/>
+              <a:t>14</a:t>
+            </a:r>
+            <a:endParaRPr kumimoji="1" lang="zh-CN" altLang="en-US" dirty="0"/>
+          </a:p>
+        </p:txBody>
+      </p:sp>
+      <p:sp>
+        <p:nvSpPr>
+          <p:cNvPr id="8" name="文本框 12">
+            <a:extLst>
+              <a:ext uri="{FF2B5EF4-FFF2-40B4-BE49-F238E27FC236}">
+                <a16:creationId xmlns:a16="http://schemas.microsoft.com/office/drawing/2014/main" id="{1BD3B6F7-3471-39E9-3AA8-F22FCF70725D}"/>
+              </a:ext>
+            </a:extLst>
+          </p:cNvPr>
+          <p:cNvSpPr txBox="1"/>
+          <p:nvPr/>
+        </p:nvSpPr>
+        <p:spPr>
+          <a:xfrm>
+            <a:off x="2698319" y="1188534"/>
+            <a:ext cx="734496" cy="369332"/>
+          </a:xfrm>
+          <a:prstGeom prst="rect">
+            <a:avLst/>
+          </a:prstGeom>
+          <a:noFill/>
+        </p:spPr>
+        <p:txBody>
+          <a:bodyPr wrap="none" rtlCol="0">
+            <a:spAutoFit/>
+          </a:bodyPr>
+          <a:lstStyle/>
+          <a:p>
+            <a:r>
+              <a:rPr kumimoji="1" lang="en-US" altLang="zh-CN" dirty="0"/>
+              <a:t>12 11</a:t>
+            </a:r>
+            <a:endParaRPr kumimoji="1" lang="zh-CN" altLang="en-US" dirty="0"/>
+          </a:p>
+        </p:txBody>
+      </p:sp>
+      <p:sp>
+        <p:nvSpPr>
+          <p:cNvPr id="9" name="文本框 13">
+            <a:extLst>
+              <a:ext uri="{FF2B5EF4-FFF2-40B4-BE49-F238E27FC236}">
+                <a16:creationId xmlns:a16="http://schemas.microsoft.com/office/drawing/2014/main" id="{7C96801A-3CCA-69B6-D58D-537F1E5379D4}"/>
+              </a:ext>
+            </a:extLst>
+          </p:cNvPr>
+          <p:cNvSpPr txBox="1"/>
+          <p:nvPr/>
+        </p:nvSpPr>
+        <p:spPr>
+          <a:xfrm>
+            <a:off x="5596777" y="1178889"/>
+            <a:ext cx="553357" cy="369332"/>
+          </a:xfrm>
+          <a:prstGeom prst="rect">
+            <a:avLst/>
+          </a:prstGeom>
+          <a:noFill/>
+        </p:spPr>
+        <p:txBody>
+          <a:bodyPr wrap="none" rtlCol="0">
+            <a:spAutoFit/>
+          </a:bodyPr>
+          <a:lstStyle/>
+          <a:p>
+            <a:r>
+              <a:rPr kumimoji="1" lang="en-US" altLang="zh-CN" dirty="0"/>
+              <a:t>8  7</a:t>
+            </a:r>
+            <a:endParaRPr kumimoji="1" lang="zh-CN" altLang="en-US" dirty="0"/>
+          </a:p>
+        </p:txBody>
+      </p:sp>
+      <p:sp>
+        <p:nvSpPr>
+          <p:cNvPr id="10" name="文本框 14">
+            <a:extLst>
+              <a:ext uri="{FF2B5EF4-FFF2-40B4-BE49-F238E27FC236}">
+                <a16:creationId xmlns:a16="http://schemas.microsoft.com/office/drawing/2014/main" id="{09AACC3C-0EC3-819D-6BFC-BA0133CCBFFD}"/>
+              </a:ext>
+            </a:extLst>
+          </p:cNvPr>
+          <p:cNvSpPr txBox="1"/>
+          <p:nvPr/>
+        </p:nvSpPr>
+        <p:spPr>
+          <a:xfrm>
+            <a:off x="9189591" y="1188672"/>
+            <a:ext cx="553357" cy="369332"/>
+          </a:xfrm>
+          <a:prstGeom prst="rect">
+            <a:avLst/>
+          </a:prstGeom>
+          <a:noFill/>
+        </p:spPr>
+        <p:txBody>
+          <a:bodyPr wrap="none" rtlCol="0">
+            <a:spAutoFit/>
+          </a:bodyPr>
+          <a:lstStyle/>
+          <a:p>
+            <a:r>
+              <a:rPr kumimoji="1" lang="en-US" altLang="zh-CN" dirty="0"/>
+              <a:t>3  2</a:t>
+            </a:r>
+            <a:endParaRPr kumimoji="1" lang="zh-CN" altLang="en-US" dirty="0"/>
+          </a:p>
+        </p:txBody>
+      </p:sp>
+      <p:sp>
+        <p:nvSpPr>
+          <p:cNvPr id="11" name="文本框 15">
+            <a:extLst>
+              <a:ext uri="{FF2B5EF4-FFF2-40B4-BE49-F238E27FC236}">
+                <a16:creationId xmlns:a16="http://schemas.microsoft.com/office/drawing/2014/main" id="{0993CB3B-966A-7274-D46E-4C3BECACF790}"/>
+              </a:ext>
+            </a:extLst>
+          </p:cNvPr>
+          <p:cNvSpPr txBox="1"/>
+          <p:nvPr/>
+        </p:nvSpPr>
+        <p:spPr>
+          <a:xfrm>
+            <a:off x="11246470" y="1188672"/>
+            <a:ext cx="306494" cy="369332"/>
+          </a:xfrm>
+          <a:prstGeom prst="rect">
+            <a:avLst/>
+          </a:prstGeom>
+          <a:noFill/>
+        </p:spPr>
+        <p:txBody>
+          <a:bodyPr wrap="none" rtlCol="0">
+            <a:spAutoFit/>
+          </a:bodyPr>
+          <a:lstStyle/>
+          <a:p>
+            <a:r>
+              <a:rPr kumimoji="1" lang="en-US" altLang="zh-CN" dirty="0"/>
+              <a:t>0</a:t>
+            </a:r>
+            <a:endParaRPr kumimoji="1" lang="zh-CN" altLang="en-US" dirty="0"/>
+          </a:p>
+        </p:txBody>
+      </p:sp>
+      <p:sp>
+        <p:nvSpPr>
+          <p:cNvPr id="12" name="文本框 16">
+            <a:extLst>
+              <a:ext uri="{FF2B5EF4-FFF2-40B4-BE49-F238E27FC236}">
+                <a16:creationId xmlns:a16="http://schemas.microsoft.com/office/drawing/2014/main" id="{7812DD2E-F565-CDFF-EFF3-69DC41BDA80D}"/>
+              </a:ext>
+            </a:extLst>
+          </p:cNvPr>
+          <p:cNvSpPr txBox="1"/>
+          <p:nvPr/>
+        </p:nvSpPr>
+        <p:spPr>
+          <a:xfrm>
+            <a:off x="155677" y="116654"/>
+            <a:ext cx="3211135" cy="369332"/>
+          </a:xfrm>
+          <a:prstGeom prst="rect">
+            <a:avLst/>
+          </a:prstGeom>
+          <a:noFill/>
+        </p:spPr>
+        <p:txBody>
+          <a:bodyPr wrap="none" rtlCol="0">
+            <a:spAutoFit/>
+          </a:bodyPr>
+          <a:lstStyle/>
+          <a:p>
+            <a:r>
+              <a:rPr kumimoji="1" lang="en-US" altLang="zh-CN" dirty="0"/>
+              <a:t>16</a:t>
+            </a:r>
+            <a:r>
+              <a:rPr kumimoji="1" lang="zh-CN" altLang="en-US" dirty="0"/>
+              <a:t>位指令长度</a:t>
+            </a:r>
+            <a:r>
+              <a:rPr kumimoji="1" lang="en-US" altLang="zh-CN" dirty="0"/>
+              <a:t>32</a:t>
+            </a:r>
+            <a:r>
+              <a:rPr kumimoji="1" lang="zh-CN" altLang="en-US" dirty="0"/>
+              <a:t>位数据指令集</a:t>
+            </a:r>
+          </a:p>
+        </p:txBody>
+      </p:sp>
+      <p:sp>
+        <p:nvSpPr>
+          <p:cNvPr id="13" name="文本框 19">
+            <a:extLst>
+              <a:ext uri="{FF2B5EF4-FFF2-40B4-BE49-F238E27FC236}">
+                <a16:creationId xmlns:a16="http://schemas.microsoft.com/office/drawing/2014/main" id="{B79FF307-DEC0-25B0-BEF5-662F49869B33}"/>
+              </a:ext>
+            </a:extLst>
+          </p:cNvPr>
+          <p:cNvSpPr txBox="1"/>
+          <p:nvPr/>
+        </p:nvSpPr>
+        <p:spPr>
+          <a:xfrm>
+            <a:off x="7430812" y="2595530"/>
+            <a:ext cx="4201791" cy="2585323"/>
+          </a:xfrm>
+          <a:prstGeom prst="rect">
+            <a:avLst/>
+          </a:prstGeom>
+          <a:noFill/>
+        </p:spPr>
+        <p:txBody>
+          <a:bodyPr wrap="none" rtlCol="0">
+            <a:spAutoFit/>
+          </a:bodyPr>
+          <a:lstStyle/>
+          <a:p>
+            <a:r>
+              <a:rPr kumimoji="1" lang="en-US" altLang="zh-CN" dirty="0" err="1"/>
+              <a:t>cond</a:t>
+            </a:r>
+            <a:r>
+              <a:rPr kumimoji="1" lang="zh-CN" altLang="en-US" dirty="0"/>
+              <a:t>：条件码，</a:t>
+            </a:r>
+            <a:r>
+              <a:rPr kumimoji="1" lang="en-US" altLang="zh-CN" dirty="0" err="1"/>
+              <a:t>PCregister</a:t>
+            </a:r>
+            <a:r>
+              <a:rPr kumimoji="1" lang="zh-CN" altLang="en-US" dirty="0"/>
+              <a:t> </a:t>
+            </a:r>
+            <a:r>
+              <a:rPr kumimoji="1" lang="en-US" altLang="zh-CN" dirty="0"/>
+              <a:t>=</a:t>
+            </a:r>
+            <a:r>
+              <a:rPr kumimoji="1" lang="zh-CN" altLang="en-US" dirty="0"/>
+              <a:t> </a:t>
+            </a:r>
+            <a:r>
+              <a:rPr kumimoji="1" lang="en-US" altLang="zh-CN" dirty="0"/>
+              <a:t>R1</a:t>
+            </a:r>
+          </a:p>
+          <a:p>
+            <a:r>
+              <a:rPr kumimoji="1" lang="en-US" altLang="zh-CN" dirty="0"/>
+              <a:t>Cond[0]</a:t>
+            </a:r>
+            <a:r>
+              <a:rPr kumimoji="1" lang="zh-CN" altLang="en-US" dirty="0"/>
+              <a:t>表示小于，</a:t>
+            </a:r>
+            <a:r>
+              <a:rPr kumimoji="1" lang="en-US" altLang="zh-CN" dirty="0"/>
+              <a:t> Cond[1]</a:t>
+            </a:r>
+            <a:r>
+              <a:rPr kumimoji="1" lang="zh-CN" altLang="en-US" dirty="0"/>
+              <a:t>表示等于，</a:t>
+            </a:r>
+            <a:r>
+              <a:rPr kumimoji="1" lang="en-US" altLang="zh-CN" dirty="0"/>
+              <a:t> </a:t>
+            </a:r>
+          </a:p>
+          <a:p>
+            <a:r>
+              <a:rPr kumimoji="1" lang="en-US" altLang="zh-CN" dirty="0"/>
+              <a:t>Cond[2]</a:t>
+            </a:r>
+            <a:r>
+              <a:rPr kumimoji="1" lang="zh-CN" altLang="en-US" dirty="0"/>
+              <a:t>表示大于。即：</a:t>
+            </a:r>
+            <a:endParaRPr kumimoji="1" lang="en-US" altLang="zh-CN" dirty="0"/>
+          </a:p>
+          <a:p>
+            <a:r>
+              <a:rPr kumimoji="1" lang="en-US" altLang="zh-CN" dirty="0"/>
+              <a:t>000:</a:t>
+            </a:r>
+            <a:r>
+              <a:rPr kumimoji="1" lang="zh-CN" altLang="en-US" dirty="0"/>
+              <a:t>不执行</a:t>
+            </a:r>
+            <a:endParaRPr kumimoji="1" lang="en-US" altLang="zh-CN" dirty="0"/>
+          </a:p>
+          <a:p>
+            <a:r>
+              <a:rPr kumimoji="1" lang="en-US" altLang="zh-CN" dirty="0"/>
+              <a:t>100:Rd&gt;0</a:t>
+            </a:r>
+          </a:p>
+          <a:p>
+            <a:r>
+              <a:rPr kumimoji="1" lang="en-US" altLang="zh-CN" dirty="0"/>
+              <a:t>010:Rd=0</a:t>
+            </a:r>
+          </a:p>
+          <a:p>
+            <a:r>
+              <a:rPr kumimoji="1" lang="en-US" altLang="zh-CN" dirty="0"/>
+              <a:t>110:Rd&gt;=0</a:t>
+            </a:r>
+          </a:p>
+          <a:p>
+            <a:r>
+              <a:rPr kumimoji="1" lang="en-US" altLang="zh-CN" dirty="0"/>
+              <a:t>111:</a:t>
+            </a:r>
+            <a:r>
+              <a:rPr kumimoji="1" lang="zh-CN" altLang="en-US" dirty="0"/>
+              <a:t>无条件执行</a:t>
+            </a:r>
+            <a:endParaRPr kumimoji="1" lang="en-US" altLang="zh-CN" dirty="0"/>
+          </a:p>
+          <a:p>
+            <a:r>
+              <a:rPr kumimoji="1" lang="zh-CN" altLang="en-US" dirty="0"/>
+              <a:t>等。</a:t>
+            </a:r>
+          </a:p>
+        </p:txBody>
+      </p:sp>
+      <p:sp>
+        <p:nvSpPr>
+          <p:cNvPr id="14" name="文本框 18">
+            <a:extLst>
+              <a:ext uri="{FF2B5EF4-FFF2-40B4-BE49-F238E27FC236}">
+                <a16:creationId xmlns:a16="http://schemas.microsoft.com/office/drawing/2014/main" id="{FCEE769F-C378-9420-AFB9-39F28FDAECF2}"/>
+              </a:ext>
+            </a:extLst>
+          </p:cNvPr>
+          <p:cNvSpPr txBox="1"/>
+          <p:nvPr/>
+        </p:nvSpPr>
+        <p:spPr>
+          <a:xfrm>
+            <a:off x="4155361" y="2595530"/>
+            <a:ext cx="3113451" cy="3970318"/>
+          </a:xfrm>
+          <a:prstGeom prst="rect">
+            <a:avLst/>
+          </a:prstGeom>
+          <a:noFill/>
+        </p:spPr>
+        <p:txBody>
+          <a:bodyPr wrap="square" rtlCol="0">
+            <a:spAutoFit/>
+          </a:bodyPr>
+          <a:lstStyle/>
+          <a:p>
+            <a:r>
+              <a:rPr kumimoji="1" lang="en-US" altLang="zh-CN" dirty="0"/>
+              <a:t>opcode</a:t>
+            </a:r>
+            <a:r>
+              <a:rPr kumimoji="1" lang="zh-CN" altLang="en-US" dirty="0"/>
+              <a:t>：操作码</a:t>
+            </a:r>
+            <a:endParaRPr kumimoji="1" lang="en-US" altLang="zh-CN" dirty="0"/>
+          </a:p>
+          <a:p>
+            <a:r>
+              <a:rPr kumimoji="1" lang="en-US" altLang="zh-CN" dirty="0"/>
+              <a:t>0000:Rd=Rs1 + Rs2</a:t>
+            </a:r>
+          </a:p>
+          <a:p>
+            <a:r>
+              <a:rPr kumimoji="1" lang="en-US" altLang="zh-CN" dirty="0"/>
+              <a:t>0001:Rd=Rs1 + Rs2 + Carry</a:t>
+            </a:r>
+          </a:p>
+          <a:p>
+            <a:r>
+              <a:rPr kumimoji="1" lang="en-US" altLang="zh-CN" dirty="0"/>
+              <a:t>0010:Rd= Rs1 - Rs2</a:t>
+            </a:r>
+          </a:p>
+          <a:p>
+            <a:r>
+              <a:rPr kumimoji="1" lang="en-US" altLang="zh-CN" dirty="0"/>
+              <a:t>0011:Rd = Rs1 – Rs2 – Carry</a:t>
+            </a:r>
+          </a:p>
+          <a:p>
+            <a:r>
+              <a:rPr kumimoji="1" lang="en-US" altLang="zh-CN" dirty="0"/>
+              <a:t>0100:Rd = Rs1 ^ Rs2</a:t>
+            </a:r>
+          </a:p>
+          <a:p>
+            <a:r>
+              <a:rPr kumimoji="1" lang="en-US" altLang="zh-CN" dirty="0"/>
+              <a:t>0101:Rd = Rs1 | Rs2</a:t>
+            </a:r>
+          </a:p>
+          <a:p>
+            <a:r>
+              <a:rPr kumimoji="1" lang="en-US" altLang="zh-CN" dirty="0"/>
+              <a:t>0110:Rd = Rs1 &amp; Rs2</a:t>
+            </a:r>
+          </a:p>
+          <a:p>
+            <a:r>
+              <a:rPr kumimoji="1" lang="en-US" altLang="zh-CN" dirty="0"/>
+              <a:t>0111:Rd = !Rs1</a:t>
+            </a:r>
+          </a:p>
+          <a:p>
+            <a:r>
+              <a:rPr kumimoji="1" lang="en-US" altLang="zh-CN" dirty="0"/>
+              <a:t>1000:Rd = Rs1 &lt;&lt; Rs2(</a:t>
+            </a:r>
+            <a:r>
+              <a:rPr kumimoji="1" lang="en-US" altLang="zh-CN" dirty="0" err="1"/>
+              <a:t>Logi</a:t>
+            </a:r>
+            <a:r>
+              <a:rPr kumimoji="1" lang="en-US" altLang="zh-CN" dirty="0"/>
+              <a:t>)</a:t>
+            </a:r>
+          </a:p>
+          <a:p>
+            <a:r>
+              <a:rPr kumimoji="1" lang="en-US" altLang="zh-CN" dirty="0"/>
+              <a:t>1001:Rd = Rs1 &gt;&gt; Rs2(</a:t>
+            </a:r>
+            <a:r>
+              <a:rPr kumimoji="1" lang="en-US" altLang="zh-CN" dirty="0" err="1"/>
+              <a:t>Logi</a:t>
+            </a:r>
+            <a:r>
+              <a:rPr kumimoji="1" lang="en-US" altLang="zh-CN" dirty="0"/>
+              <a:t>)</a:t>
+            </a:r>
+          </a:p>
+          <a:p>
+            <a:r>
+              <a:rPr kumimoji="1" lang="en-US" altLang="zh-CN" dirty="0"/>
+              <a:t>1010:Rd = Rs1 &gt;&gt; Rs2(</a:t>
+            </a:r>
+            <a:r>
+              <a:rPr kumimoji="1" lang="en-US" altLang="zh-CN" dirty="0" err="1"/>
+              <a:t>Arith</a:t>
+            </a:r>
+            <a:r>
+              <a:rPr kumimoji="1" lang="en-US" altLang="zh-CN" dirty="0"/>
+              <a:t>)</a:t>
+            </a:r>
+          </a:p>
+          <a:p>
+            <a:r>
+              <a:rPr kumimoji="1" lang="en-US" altLang="zh-CN" dirty="0"/>
+              <a:t>1100:Rd = Ram[R4]</a:t>
+            </a:r>
+          </a:p>
+          <a:p>
+            <a:r>
+              <a:rPr kumimoji="1" lang="en-US" altLang="zh-CN" dirty="0"/>
+              <a:t>1101:Ram[Rd] = Rs1</a:t>
+            </a:r>
+          </a:p>
+        </p:txBody>
+      </p:sp>
+      <p:sp>
+        <p:nvSpPr>
+          <p:cNvPr id="16" name="文本框 4">
+            <a:extLst>
+              <a:ext uri="{FF2B5EF4-FFF2-40B4-BE49-F238E27FC236}">
+                <a16:creationId xmlns:a16="http://schemas.microsoft.com/office/drawing/2014/main" id="{D12D5E6F-934B-E305-C0B4-DFF2E4BAB41E}"/>
+              </a:ext>
+            </a:extLst>
+          </p:cNvPr>
+          <p:cNvSpPr txBox="1"/>
+          <p:nvPr/>
+        </p:nvSpPr>
+        <p:spPr>
+          <a:xfrm>
+            <a:off x="879634" y="1192376"/>
+            <a:ext cx="428322" cy="369332"/>
+          </a:xfrm>
+          <a:prstGeom prst="rect">
+            <a:avLst/>
+          </a:prstGeom>
+          <a:noFill/>
+        </p:spPr>
+        <p:txBody>
+          <a:bodyPr wrap="none" rtlCol="0">
+            <a:spAutoFit/>
+          </a:bodyPr>
+          <a:lstStyle/>
+          <a:p>
+            <a:r>
+              <a:rPr kumimoji="1" lang="en-US" altLang="zh-CN" dirty="0"/>
+              <a:t>15</a:t>
+            </a:r>
+            <a:endParaRPr kumimoji="1" lang="zh-CN" altLang="en-US" dirty="0"/>
+          </a:p>
+        </p:txBody>
+      </p:sp>
+      <p:sp>
+        <p:nvSpPr>
+          <p:cNvPr id="18" name="文本框 14">
+            <a:extLst>
+              <a:ext uri="{FF2B5EF4-FFF2-40B4-BE49-F238E27FC236}">
+                <a16:creationId xmlns:a16="http://schemas.microsoft.com/office/drawing/2014/main" id="{942D7E03-8083-0461-BAD0-A8E503781BC5}"/>
+              </a:ext>
+            </a:extLst>
+          </p:cNvPr>
+          <p:cNvSpPr txBox="1"/>
+          <p:nvPr/>
+        </p:nvSpPr>
+        <p:spPr>
+          <a:xfrm>
+            <a:off x="7446706" y="1188534"/>
+            <a:ext cx="553357" cy="369332"/>
+          </a:xfrm>
+          <a:prstGeom prst="rect">
+            <a:avLst/>
+          </a:prstGeom>
+          <a:noFill/>
+        </p:spPr>
+        <p:txBody>
+          <a:bodyPr wrap="none" rtlCol="0">
+            <a:spAutoFit/>
+          </a:bodyPr>
+          <a:lstStyle/>
+          <a:p>
+            <a:r>
+              <a:rPr kumimoji="1" lang="en-US" altLang="zh-CN" dirty="0"/>
+              <a:t>5  4</a:t>
+            </a:r>
+            <a:endParaRPr kumimoji="1" lang="zh-CN" altLang="en-US" dirty="0"/>
+          </a:p>
+        </p:txBody>
+      </p:sp>
+      <p:sp>
+        <p:nvSpPr>
+          <p:cNvPr id="19" name="文本框 17">
+            <a:extLst>
+              <a:ext uri="{FF2B5EF4-FFF2-40B4-BE49-F238E27FC236}">
+                <a16:creationId xmlns:a16="http://schemas.microsoft.com/office/drawing/2014/main" id="{F3140E19-02E7-C4E7-7DA4-ACB8D0073FFC}"/>
+              </a:ext>
+            </a:extLst>
+          </p:cNvPr>
+          <p:cNvSpPr txBox="1"/>
+          <p:nvPr/>
+        </p:nvSpPr>
+        <p:spPr>
+          <a:xfrm>
+            <a:off x="585216" y="2606040"/>
+            <a:ext cx="2842445" cy="3693319"/>
+          </a:xfrm>
+          <a:prstGeom prst="rect">
+            <a:avLst/>
+          </a:prstGeom>
+          <a:noFill/>
+        </p:spPr>
+        <p:txBody>
+          <a:bodyPr wrap="none" rtlCol="0">
+            <a:spAutoFit/>
+          </a:bodyPr>
+          <a:lstStyle/>
+          <a:p>
+            <a:r>
+              <a:rPr kumimoji="1" lang="en-US" altLang="zh-CN" dirty="0"/>
+              <a:t>Rd</a:t>
+            </a:r>
+            <a:r>
+              <a:rPr kumimoji="1" lang="zh-CN" altLang="en-US" dirty="0"/>
+              <a:t>：目的操作数寄存器</a:t>
+            </a:r>
+            <a:endParaRPr kumimoji="1" lang="en-US" altLang="zh-CN" dirty="0"/>
+          </a:p>
+          <a:p>
+            <a:r>
+              <a:rPr kumimoji="1" lang="en-US" altLang="zh-CN" dirty="0"/>
+              <a:t>Rs:</a:t>
+            </a:r>
+            <a:r>
+              <a:rPr kumimoji="1" lang="zh-CN" altLang="en-US" dirty="0"/>
+              <a:t> 源寄存器</a:t>
+            </a:r>
+            <a:endParaRPr kumimoji="1" lang="en-US" altLang="zh-CN" dirty="0"/>
+          </a:p>
+          <a:p>
+            <a:r>
+              <a:rPr kumimoji="1" lang="en-US" altLang="zh-CN" dirty="0"/>
+              <a:t>000:</a:t>
+            </a:r>
+            <a:r>
+              <a:rPr kumimoji="1" lang="zh-CN" altLang="en-US" dirty="0"/>
+              <a:t>零数字（</a:t>
+            </a:r>
+            <a:r>
+              <a:rPr kumimoji="1" lang="en-US" altLang="zh-CN" dirty="0"/>
+              <a:t>R0</a:t>
+            </a:r>
+            <a:r>
+              <a:rPr kumimoji="1" lang="zh-CN" altLang="en-US" dirty="0"/>
+              <a:t>）</a:t>
+            </a:r>
+            <a:endParaRPr kumimoji="1" lang="en-US" altLang="zh-CN" dirty="0"/>
+          </a:p>
+          <a:p>
+            <a:r>
+              <a:rPr kumimoji="1" lang="en-US" altLang="zh-CN" dirty="0"/>
+              <a:t>001:</a:t>
+            </a:r>
+            <a:r>
+              <a:rPr kumimoji="1" lang="zh-CN" altLang="en-US" dirty="0"/>
+              <a:t>寄存器</a:t>
+            </a:r>
+            <a:r>
+              <a:rPr kumimoji="1" lang="en-US" altLang="zh-CN" dirty="0"/>
+              <a:t>1</a:t>
+            </a:r>
+            <a:r>
+              <a:rPr kumimoji="1" lang="zh-CN" altLang="en-US" dirty="0"/>
+              <a:t>（</a:t>
+            </a:r>
+            <a:r>
+              <a:rPr kumimoji="1" lang="en-US" altLang="zh-CN" dirty="0"/>
+              <a:t>R1</a:t>
+            </a:r>
+            <a:r>
+              <a:rPr kumimoji="1" lang="zh-CN" altLang="en-US" dirty="0"/>
+              <a:t>）</a:t>
+            </a:r>
+            <a:endParaRPr kumimoji="1" lang="en-US" altLang="zh-CN" dirty="0"/>
+          </a:p>
+          <a:p>
+            <a:r>
+              <a:rPr kumimoji="1" lang="en-US" altLang="zh-CN" dirty="0"/>
+              <a:t>010:</a:t>
+            </a:r>
+            <a:r>
+              <a:rPr kumimoji="1" lang="zh-CN" altLang="en-CN" dirty="0"/>
+              <a:t>寄存器</a:t>
+            </a:r>
+            <a:r>
+              <a:rPr kumimoji="1" lang="en-US" altLang="zh-CN" dirty="0"/>
+              <a:t>2</a:t>
+            </a:r>
+            <a:r>
+              <a:rPr kumimoji="1" lang="zh-CN" altLang="en-US" dirty="0"/>
+              <a:t>（</a:t>
+            </a:r>
+            <a:r>
+              <a:rPr kumimoji="1" lang="en-US" altLang="zh-CN" dirty="0"/>
+              <a:t>R2</a:t>
+            </a:r>
+            <a:r>
+              <a:rPr kumimoji="1" lang="zh-CN" altLang="en-US" dirty="0"/>
+              <a:t>）</a:t>
+            </a:r>
+            <a:endParaRPr kumimoji="1" lang="en-US" altLang="zh-CN" dirty="0"/>
+          </a:p>
+          <a:p>
+            <a:r>
+              <a:rPr kumimoji="1" lang="en-US" altLang="zh-CN" dirty="0"/>
+              <a:t>011:</a:t>
+            </a:r>
+            <a:r>
+              <a:rPr kumimoji="1" lang="zh-CN" altLang="en-US" dirty="0"/>
+              <a:t>寄存器</a:t>
+            </a:r>
+            <a:r>
+              <a:rPr kumimoji="1" lang="en-US" altLang="zh-CN" dirty="0"/>
+              <a:t>3</a:t>
+            </a:r>
+            <a:r>
+              <a:rPr kumimoji="1" lang="zh-CN" altLang="en-US" dirty="0"/>
+              <a:t>（</a:t>
+            </a:r>
+            <a:r>
+              <a:rPr kumimoji="1" lang="en-US" altLang="zh-CN" dirty="0"/>
+              <a:t>R3</a:t>
+            </a:r>
+            <a:r>
+              <a:rPr kumimoji="1" lang="zh-CN" altLang="en-US" dirty="0"/>
+              <a:t>）</a:t>
+            </a:r>
+            <a:endParaRPr kumimoji="1" lang="en-US" altLang="zh-CN" dirty="0"/>
+          </a:p>
+          <a:p>
+            <a:endParaRPr kumimoji="1" lang="en-US" altLang="zh-CN" dirty="0"/>
+          </a:p>
+          <a:p>
+            <a:r>
+              <a:rPr kumimoji="1" lang="en-US" altLang="zh-CN" dirty="0"/>
+              <a:t>100:</a:t>
+            </a:r>
+            <a:r>
+              <a:rPr kumimoji="1" lang="zh-CN" altLang="en-US" dirty="0"/>
+              <a:t>寄存器</a:t>
+            </a:r>
+            <a:r>
+              <a:rPr kumimoji="1" lang="en-US" altLang="zh-CN" dirty="0"/>
+              <a:t>4</a:t>
+            </a:r>
+          </a:p>
+          <a:p>
+            <a:r>
+              <a:rPr kumimoji="1" lang="en-US" altLang="zh-CN" dirty="0"/>
+              <a:t>101:</a:t>
+            </a:r>
+            <a:r>
+              <a:rPr kumimoji="1" lang="zh-CN" altLang="en-US" dirty="0"/>
+              <a:t>寄存器</a:t>
+            </a:r>
+            <a:r>
+              <a:rPr kumimoji="1" lang="en-US" altLang="zh-CN" dirty="0"/>
+              <a:t>5</a:t>
+            </a:r>
+          </a:p>
+          <a:p>
+            <a:r>
+              <a:rPr kumimoji="1" lang="en-US" altLang="zh-CN" dirty="0"/>
+              <a:t>110:</a:t>
+            </a:r>
+            <a:r>
+              <a:rPr kumimoji="1" lang="zh-CN" altLang="en-US" dirty="0"/>
+              <a:t>寄存器</a:t>
+            </a:r>
+            <a:r>
+              <a:rPr kumimoji="1" lang="en-US" altLang="zh-CN" dirty="0"/>
+              <a:t>6</a:t>
+            </a:r>
+          </a:p>
+          <a:p>
+            <a:r>
+              <a:rPr kumimoji="1" lang="en-US" altLang="zh-CN" dirty="0"/>
+              <a:t>111:</a:t>
+            </a:r>
+            <a:r>
+              <a:rPr kumimoji="1" lang="zh-CN" altLang="en-US" dirty="0"/>
+              <a:t>寄存器</a:t>
+            </a:r>
+            <a:r>
+              <a:rPr kumimoji="1" lang="en-US" altLang="zh-CN" dirty="0"/>
+              <a:t>7</a:t>
+            </a:r>
+          </a:p>
+          <a:p>
+            <a:endParaRPr kumimoji="1" lang="en-US" altLang="zh-CN" dirty="0"/>
+          </a:p>
+          <a:p>
+            <a:r>
+              <a:rPr kumimoji="1" lang="en-US" altLang="zh-CN" dirty="0"/>
+              <a:t>Rs2</a:t>
+            </a:r>
+            <a:r>
+              <a:rPr kumimoji="1" lang="zh-CN" altLang="en-US" dirty="0"/>
+              <a:t>不能找到高位寄存器。</a:t>
+            </a:r>
+          </a:p>
+        </p:txBody>
+      </p:sp>
+    </p:spTree>
+    <p:extLst>
+      <p:ext uri="{BB962C8B-B14F-4D97-AF65-F5344CB8AC3E}">
+        <p14:creationId xmlns:p14="http://schemas.microsoft.com/office/powerpoint/2010/main" val="1994755014"/>
       </p:ext>
     </p:extLst>
   </p:cSld>
